--- a/source/Presentation1.pptx
+++ b/source/Presentation1.pptx
@@ -6,6 +6,7 @@
   </p:sldMasterIdLst>
   <p:sldIdLst>
     <p:sldId id="256" r:id="rId2"/>
+    <p:sldId id="257" r:id="rId3"/>
   </p:sldIdLst>
   <p:sldSz cx="12192000" cy="6858000"/>
   <p:notesSz cx="6858000" cy="9144000"/>
@@ -104,6 +105,11 @@
       </a:defRPr>
     </a:lvl9pPr>
   </p:defaultTextStyle>
+  <p:extLst>
+    <p:ext uri="{EFAFB233-063F-42B5-8137-9DF3F51BA10A}">
+      <p15:sldGuideLst xmlns:p15="http://schemas.microsoft.com/office/powerpoint/2012/main"/>
+    </p:ext>
+  </p:extLst>
 </p:presentation>
 </file>
 
@@ -256,7 +262,7 @@
           <a:p>
             <a:fld id="{E0ECD1D1-CCE2-4B87-BAD5-44B92476076C}" type="datetimeFigureOut">
               <a:rPr lang="en-GB" smtClean="0"/>
-              <a:t>23/08/2024</a:t>
+              <a:t>27/08/2024</a:t>
             </a:fld>
             <a:endParaRPr lang="en-GB"/>
           </a:p>
@@ -456,7 +462,7 @@
           <a:p>
             <a:fld id="{E0ECD1D1-CCE2-4B87-BAD5-44B92476076C}" type="datetimeFigureOut">
               <a:rPr lang="en-GB" smtClean="0"/>
-              <a:t>23/08/2024</a:t>
+              <a:t>27/08/2024</a:t>
             </a:fld>
             <a:endParaRPr lang="en-GB"/>
           </a:p>
@@ -666,7 +672,7 @@
           <a:p>
             <a:fld id="{E0ECD1D1-CCE2-4B87-BAD5-44B92476076C}" type="datetimeFigureOut">
               <a:rPr lang="en-GB" smtClean="0"/>
-              <a:t>23/08/2024</a:t>
+              <a:t>27/08/2024</a:t>
             </a:fld>
             <a:endParaRPr lang="en-GB"/>
           </a:p>
@@ -866,7 +872,7 @@
           <a:p>
             <a:fld id="{E0ECD1D1-CCE2-4B87-BAD5-44B92476076C}" type="datetimeFigureOut">
               <a:rPr lang="en-GB" smtClean="0"/>
-              <a:t>23/08/2024</a:t>
+              <a:t>27/08/2024</a:t>
             </a:fld>
             <a:endParaRPr lang="en-GB"/>
           </a:p>
@@ -1142,7 +1148,7 @@
           <a:p>
             <a:fld id="{E0ECD1D1-CCE2-4B87-BAD5-44B92476076C}" type="datetimeFigureOut">
               <a:rPr lang="en-GB" smtClean="0"/>
-              <a:t>23/08/2024</a:t>
+              <a:t>27/08/2024</a:t>
             </a:fld>
             <a:endParaRPr lang="en-GB"/>
           </a:p>
@@ -1410,7 +1416,7 @@
           <a:p>
             <a:fld id="{E0ECD1D1-CCE2-4B87-BAD5-44B92476076C}" type="datetimeFigureOut">
               <a:rPr lang="en-GB" smtClean="0"/>
-              <a:t>23/08/2024</a:t>
+              <a:t>27/08/2024</a:t>
             </a:fld>
             <a:endParaRPr lang="en-GB"/>
           </a:p>
@@ -1825,7 +1831,7 @@
           <a:p>
             <a:fld id="{E0ECD1D1-CCE2-4B87-BAD5-44B92476076C}" type="datetimeFigureOut">
               <a:rPr lang="en-GB" smtClean="0"/>
-              <a:t>23/08/2024</a:t>
+              <a:t>27/08/2024</a:t>
             </a:fld>
             <a:endParaRPr lang="en-GB"/>
           </a:p>
@@ -1967,7 +1973,7 @@
           <a:p>
             <a:fld id="{E0ECD1D1-CCE2-4B87-BAD5-44B92476076C}" type="datetimeFigureOut">
               <a:rPr lang="en-GB" smtClean="0"/>
-              <a:t>23/08/2024</a:t>
+              <a:t>27/08/2024</a:t>
             </a:fld>
             <a:endParaRPr lang="en-GB"/>
           </a:p>
@@ -2080,7 +2086,7 @@
           <a:p>
             <a:fld id="{E0ECD1D1-CCE2-4B87-BAD5-44B92476076C}" type="datetimeFigureOut">
               <a:rPr lang="en-GB" smtClean="0"/>
-              <a:t>23/08/2024</a:t>
+              <a:t>27/08/2024</a:t>
             </a:fld>
             <a:endParaRPr lang="en-GB"/>
           </a:p>
@@ -2393,7 +2399,7 @@
           <a:p>
             <a:fld id="{E0ECD1D1-CCE2-4B87-BAD5-44B92476076C}" type="datetimeFigureOut">
               <a:rPr lang="en-GB" smtClean="0"/>
-              <a:t>23/08/2024</a:t>
+              <a:t>27/08/2024</a:t>
             </a:fld>
             <a:endParaRPr lang="en-GB"/>
           </a:p>
@@ -2682,7 +2688,7 @@
           <a:p>
             <a:fld id="{E0ECD1D1-CCE2-4B87-BAD5-44B92476076C}" type="datetimeFigureOut">
               <a:rPr lang="en-GB" smtClean="0"/>
-              <a:t>23/08/2024</a:t>
+              <a:t>27/08/2024</a:t>
             </a:fld>
             <a:endParaRPr lang="en-GB"/>
           </a:p>
@@ -2925,7 +2931,7 @@
           <a:p>
             <a:fld id="{E0ECD1D1-CCE2-4B87-BAD5-44B92476076C}" type="datetimeFigureOut">
               <a:rPr lang="en-GB" smtClean="0"/>
-              <a:t>23/08/2024</a:t>
+              <a:t>27/08/2024</a:t>
             </a:fld>
             <a:endParaRPr lang="en-GB"/>
           </a:p>
@@ -3342,6 +3348,36 @@
           <a:chExt cx="0" cy="0"/>
         </a:xfrm>
       </p:grpSpPr>
+      <p:pic>
+        <p:nvPicPr>
+          <p:cNvPr id="3" name="Picture 2">
+            <a:extLst>
+              <a:ext uri="{FF2B5EF4-FFF2-40B4-BE49-F238E27FC236}">
+                <a16:creationId xmlns:a16="http://schemas.microsoft.com/office/drawing/2014/main" id="{16DDFF04-A1F2-1034-6995-FD214A8993BE}"/>
+              </a:ext>
+            </a:extLst>
+          </p:cNvPr>
+          <p:cNvPicPr>
+            <a:picLocks noChangeAspect="1"/>
+          </p:cNvPicPr>
+          <p:nvPr/>
+        </p:nvPicPr>
+        <p:blipFill>
+          <a:blip r:embed="rId2"/>
+          <a:stretch>
+            <a:fillRect/>
+          </a:stretch>
+        </p:blipFill>
+        <p:spPr>
+          <a:xfrm rot="8710080">
+            <a:off x="5163785" y="4145628"/>
+            <a:ext cx="2604985" cy="2057040"/>
+          </a:xfrm>
+          <a:prstGeom prst="rect">
+            <a:avLst/>
+          </a:prstGeom>
+        </p:spPr>
+      </p:pic>
       <p:grpSp>
         <p:nvGrpSpPr>
           <p:cNvPr id="9" name="Group 8">
@@ -3377,13 +3413,13 @@
             <p:nvPr/>
           </p:nvPicPr>
           <p:blipFill>
-            <a:blip r:embed="rId2">
+            <a:blip r:embed="rId3">
               <a:extLst>
                 <a:ext uri="{28A0092B-C50C-407E-A947-70E740481C1C}">
                   <a14:useLocalDpi xmlns:a14="http://schemas.microsoft.com/office/drawing/2010/main" val="0"/>
                 </a:ext>
                 <a:ext uri="{96DAC541-7B7A-43D3-8B79-37D633B846F1}">
-                  <asvg:svgBlip xmlns:asvg="http://schemas.microsoft.com/office/drawing/2016/SVG/main" r:embed="rId3"/>
+                  <asvg:svgBlip xmlns:asvg="http://schemas.microsoft.com/office/drawing/2016/SVG/main" r:embed="rId4"/>
                 </a:ext>
               </a:extLst>
             </a:blip>
@@ -3416,13 +3452,13 @@
             <p:nvPr/>
           </p:nvPicPr>
           <p:blipFill>
-            <a:blip r:embed="rId2">
+            <a:blip r:embed="rId3">
               <a:extLst>
                 <a:ext uri="{28A0092B-C50C-407E-A947-70E740481C1C}">
                   <a14:useLocalDpi xmlns:a14="http://schemas.microsoft.com/office/drawing/2010/main" val="0"/>
                 </a:ext>
                 <a:ext uri="{96DAC541-7B7A-43D3-8B79-37D633B846F1}">
-                  <asvg:svgBlip xmlns:asvg="http://schemas.microsoft.com/office/drawing/2016/SVG/main" r:embed="rId3"/>
+                  <asvg:svgBlip xmlns:asvg="http://schemas.microsoft.com/office/drawing/2016/SVG/main" r:embed="rId4"/>
                 </a:ext>
               </a:extLst>
             </a:blip>
@@ -3455,13 +3491,13 @@
             <p:nvPr/>
           </p:nvPicPr>
           <p:blipFill>
-            <a:blip r:embed="rId2">
+            <a:blip r:embed="rId3">
               <a:extLst>
                 <a:ext uri="{28A0092B-C50C-407E-A947-70E740481C1C}">
                   <a14:useLocalDpi xmlns:a14="http://schemas.microsoft.com/office/drawing/2010/main" val="0"/>
                 </a:ext>
                 <a:ext uri="{96DAC541-7B7A-43D3-8B79-37D633B846F1}">
-                  <asvg:svgBlip xmlns:asvg="http://schemas.microsoft.com/office/drawing/2016/SVG/main" r:embed="rId3"/>
+                  <asvg:svgBlip xmlns:asvg="http://schemas.microsoft.com/office/drawing/2016/SVG/main" r:embed="rId4"/>
                 </a:ext>
               </a:extLst>
             </a:blip>
@@ -3494,13 +3530,13 @@
             <p:nvPr/>
           </p:nvPicPr>
           <p:blipFill>
-            <a:blip r:embed="rId2">
+            <a:blip r:embed="rId3">
               <a:extLst>
                 <a:ext uri="{28A0092B-C50C-407E-A947-70E740481C1C}">
                   <a14:useLocalDpi xmlns:a14="http://schemas.microsoft.com/office/drawing/2010/main" val="0"/>
                 </a:ext>
                 <a:ext uri="{96DAC541-7B7A-43D3-8B79-37D633B846F1}">
-                  <asvg:svgBlip xmlns:asvg="http://schemas.microsoft.com/office/drawing/2016/SVG/main" r:embed="rId3"/>
+                  <asvg:svgBlip xmlns:asvg="http://schemas.microsoft.com/office/drawing/2016/SVG/main" r:embed="rId4"/>
                 </a:ext>
               </a:extLst>
             </a:blip>
@@ -3534,10 +3570,10 @@
           <p:nvPr/>
         </p:nvPicPr>
         <p:blipFill>
-          <a:blip r:embed="rId4">
+          <a:blip r:embed="rId5">
             <a:extLst>
               <a:ext uri="{96DAC541-7B7A-43D3-8B79-37D633B846F1}">
-                <asvg:svgBlip xmlns:asvg="http://schemas.microsoft.com/office/drawing/2016/SVG/main" r:embed="rId5"/>
+                <asvg:svgBlip xmlns:asvg="http://schemas.microsoft.com/office/drawing/2016/SVG/main" r:embed="rId6"/>
               </a:ext>
             </a:extLst>
           </a:blip>
@@ -3570,10 +3606,10 @@
           <p:nvPr/>
         </p:nvPicPr>
         <p:blipFill>
-          <a:blip r:embed="rId6">
+          <a:blip r:embed="rId7">
             <a:extLst>
               <a:ext uri="{96DAC541-7B7A-43D3-8B79-37D633B846F1}">
-                <asvg:svgBlip xmlns:asvg="http://schemas.microsoft.com/office/drawing/2016/SVG/main" r:embed="rId7"/>
+                <asvg:svgBlip xmlns:asvg="http://schemas.microsoft.com/office/drawing/2016/SVG/main" r:embed="rId8"/>
               </a:ext>
             </a:extLst>
           </a:blip>
@@ -3582,8 +3618,8 @@
           </a:stretch>
         </p:blipFill>
         <p:spPr>
-          <a:xfrm rot="3724643">
-            <a:off x="1082834" y="2495539"/>
+          <a:xfrm rot="895533">
+            <a:off x="1538501" y="2778584"/>
             <a:ext cx="1464371" cy="1254085"/>
           </a:xfrm>
           <a:prstGeom prst="rect">
@@ -3606,10 +3642,10 @@
           <p:nvPr/>
         </p:nvPicPr>
         <p:blipFill>
-          <a:blip r:embed="rId8">
+          <a:blip r:embed="rId9">
             <a:extLst>
               <a:ext uri="{96DAC541-7B7A-43D3-8B79-37D633B846F1}">
-                <asvg:svgBlip xmlns:asvg="http://schemas.microsoft.com/office/drawing/2016/SVG/main" r:embed="rId9"/>
+                <asvg:svgBlip xmlns:asvg="http://schemas.microsoft.com/office/drawing/2016/SVG/main" r:embed="rId10"/>
               </a:ext>
             </a:extLst>
           </a:blip>
@@ -3642,11 +3678,11 @@
           <p:nvPr/>
         </p:nvPicPr>
         <p:blipFill>
-          <a:blip r:embed="rId10">
+          <a:blip r:embed="rId11">
             <a:extLst>
               <a:ext uri="{BEBA8EAE-BF5A-486C-A8C5-ECC9F3942E4B}">
                 <a14:imgProps xmlns:a14="http://schemas.microsoft.com/office/drawing/2010/main">
-                  <a14:imgLayer r:embed="rId11">
+                  <a14:imgLayer r:embed="rId12">
                     <a14:imgEffect>
                       <a14:backgroundRemoval t="10000" b="90000" l="2317" r="94268">
                         <a14:foregroundMark x1="6463" y1="57500" x2="6463" y2="57500"/>
@@ -3668,7 +3704,7 @@
         </p:blipFill>
         <p:spPr>
           <a:xfrm rot="20929938">
-            <a:off x="1377129" y="3450135"/>
+            <a:off x="2522853" y="3558971"/>
             <a:ext cx="2669601" cy="2864938"/>
           </a:xfrm>
           <a:prstGeom prst="rect">
@@ -3676,10 +3712,595 @@
           </a:prstGeom>
         </p:spPr>
       </p:pic>
+      <p:pic>
+        <p:nvPicPr>
+          <p:cNvPr id="1026" name="Picture 2">
+            <a:extLst>
+              <a:ext uri="{FF2B5EF4-FFF2-40B4-BE49-F238E27FC236}">
+                <a16:creationId xmlns:a16="http://schemas.microsoft.com/office/drawing/2014/main" id="{B1A07505-32C5-AA61-FED0-9511A8FA2062}"/>
+              </a:ext>
+            </a:extLst>
+          </p:cNvPr>
+          <p:cNvPicPr>
+            <a:picLocks noChangeAspect="1" noChangeArrowheads="1"/>
+          </p:cNvPicPr>
+          <p:nvPr/>
+        </p:nvPicPr>
+        <p:blipFill>
+          <a:blip r:embed="rId13">
+            <a:extLst>
+              <a:ext uri="{28A0092B-C50C-407E-A947-70E740481C1C}">
+                <a14:useLocalDpi xmlns:a14="http://schemas.microsoft.com/office/drawing/2010/main" val="0"/>
+              </a:ext>
+            </a:extLst>
+          </a:blip>
+          <a:srcRect/>
+          <a:stretch>
+            <a:fillRect/>
+          </a:stretch>
+        </p:blipFill>
+        <p:spPr bwMode="auto">
+          <a:xfrm>
+            <a:off x="6203599" y="2797843"/>
+            <a:ext cx="5630286" cy="1694773"/>
+          </a:xfrm>
+          <a:prstGeom prst="rect">
+            <a:avLst/>
+          </a:prstGeom>
+          <a:noFill/>
+          <a:scene3d>
+            <a:camera prst="perspectiveHeroicExtremeLeftFacing"/>
+            <a:lightRig rig="threePt" dir="t"/>
+          </a:scene3d>
+          <a:extLst>
+            <a:ext uri="{909E8E84-426E-40DD-AFC4-6F175D3DCCD1}">
+              <a14:hiddenFill xmlns:a14="http://schemas.microsoft.com/office/drawing/2010/main">
+                <a:solidFill>
+                  <a:srgbClr val="FFFFFF"/>
+                </a:solidFill>
+              </a14:hiddenFill>
+            </a:ext>
+          </a:extLst>
+        </p:spPr>
+      </p:pic>
+      <p:sp>
+        <p:nvSpPr>
+          <p:cNvPr id="4" name="TextBox 3">
+            <a:extLst>
+              <a:ext uri="{FF2B5EF4-FFF2-40B4-BE49-F238E27FC236}">
+                <a16:creationId xmlns:a16="http://schemas.microsoft.com/office/drawing/2014/main" id="{ED44D2AC-1535-CCA1-AE6A-230A6D2C4E71}"/>
+              </a:ext>
+            </a:extLst>
+          </p:cNvPr>
+          <p:cNvSpPr txBox="1"/>
+          <p:nvPr/>
+        </p:nvSpPr>
+        <p:spPr>
+          <a:xfrm>
+            <a:off x="2238403" y="6052961"/>
+            <a:ext cx="1619250" cy="369332"/>
+          </a:xfrm>
+          <a:prstGeom prst="rect">
+            <a:avLst/>
+          </a:prstGeom>
+          <a:noFill/>
+        </p:spPr>
+        <p:txBody>
+          <a:bodyPr wrap="square" rtlCol="0">
+            <a:spAutoFit/>
+          </a:bodyPr>
+          <a:lstStyle/>
+          <a:p>
+            <a:r>
+              <a:rPr lang="en-GB" dirty="0"/>
+              <a:t>Arduino Mega</a:t>
+            </a:r>
+          </a:p>
+        </p:txBody>
+      </p:sp>
+      <p:sp>
+        <p:nvSpPr>
+          <p:cNvPr id="10" name="TextBox 9">
+            <a:extLst>
+              <a:ext uri="{FF2B5EF4-FFF2-40B4-BE49-F238E27FC236}">
+                <a16:creationId xmlns:a16="http://schemas.microsoft.com/office/drawing/2014/main" id="{2E4AC786-CFC3-8712-71F2-38CF59FA5381}"/>
+              </a:ext>
+            </a:extLst>
+          </p:cNvPr>
+          <p:cNvSpPr txBox="1"/>
+          <p:nvPr/>
+        </p:nvSpPr>
+        <p:spPr>
+          <a:xfrm>
+            <a:off x="774385" y="429526"/>
+            <a:ext cx="2116017" cy="369332"/>
+          </a:xfrm>
+          <a:prstGeom prst="rect">
+            <a:avLst/>
+          </a:prstGeom>
+          <a:noFill/>
+        </p:spPr>
+        <p:txBody>
+          <a:bodyPr wrap="square" rtlCol="0">
+            <a:spAutoFit/>
+          </a:bodyPr>
+          <a:lstStyle/>
+          <a:p>
+            <a:r>
+              <a:rPr lang="en-GB" dirty="0"/>
+              <a:t>Central  computer</a:t>
+            </a:r>
+          </a:p>
+        </p:txBody>
+      </p:sp>
+      <p:sp>
+        <p:nvSpPr>
+          <p:cNvPr id="12" name="TextBox 11">
+            <a:extLst>
+              <a:ext uri="{FF2B5EF4-FFF2-40B4-BE49-F238E27FC236}">
+                <a16:creationId xmlns:a16="http://schemas.microsoft.com/office/drawing/2014/main" id="{48DD7E8E-C103-B612-1403-4C0CC7D51E1F}"/>
+              </a:ext>
+            </a:extLst>
+          </p:cNvPr>
+          <p:cNvSpPr txBox="1"/>
+          <p:nvPr/>
+        </p:nvSpPr>
+        <p:spPr>
+          <a:xfrm>
+            <a:off x="4740034" y="0"/>
+            <a:ext cx="2116017" cy="369332"/>
+          </a:xfrm>
+          <a:prstGeom prst="rect">
+            <a:avLst/>
+          </a:prstGeom>
+          <a:noFill/>
+        </p:spPr>
+        <p:txBody>
+          <a:bodyPr wrap="square" rtlCol="0">
+            <a:spAutoFit/>
+          </a:bodyPr>
+          <a:lstStyle/>
+          <a:p>
+            <a:r>
+              <a:rPr lang="en-GB" dirty="0"/>
+              <a:t>FED cages</a:t>
+            </a:r>
+          </a:p>
+        </p:txBody>
+      </p:sp>
     </p:spTree>
     <p:extLst>
       <p:ext uri="{BB962C8B-B14F-4D97-AF65-F5344CB8AC3E}">
         <p14:creationId xmlns:p14="http://schemas.microsoft.com/office/powerpoint/2010/main" val="1012574053"/>
+      </p:ext>
+    </p:extLst>
+  </p:cSld>
+  <p:clrMapOvr>
+    <a:masterClrMapping/>
+  </p:clrMapOvr>
+</p:sld>
+</file>
+
+<file path=ppt/slides/slide2.xml><?xml version="1.0" encoding="utf-8"?>
+<p:sld xmlns:a="http://schemas.openxmlformats.org/drawingml/2006/main" xmlns:r="http://schemas.openxmlformats.org/officeDocument/2006/relationships" xmlns:p="http://schemas.openxmlformats.org/presentationml/2006/main">
+  <p:cSld>
+    <p:spTree>
+      <p:nvGrpSpPr>
+        <p:cNvPr id="1" name=""/>
+        <p:cNvGrpSpPr/>
+        <p:nvPr/>
+      </p:nvGrpSpPr>
+      <p:grpSpPr>
+        <a:xfrm>
+          <a:off x="0" y="0"/>
+          <a:ext cx="0" cy="0"/>
+          <a:chOff x="0" y="0"/>
+          <a:chExt cx="0" cy="0"/>
+        </a:xfrm>
+      </p:grpSpPr>
+      <p:pic>
+        <p:nvPicPr>
+          <p:cNvPr id="3" name="Picture 2">
+            <a:extLst>
+              <a:ext uri="{FF2B5EF4-FFF2-40B4-BE49-F238E27FC236}">
+                <a16:creationId xmlns:a16="http://schemas.microsoft.com/office/drawing/2014/main" id="{16DDFF04-A1F2-1034-6995-FD214A8993BE}"/>
+              </a:ext>
+            </a:extLst>
+          </p:cNvPr>
+          <p:cNvPicPr>
+            <a:picLocks noChangeAspect="1"/>
+          </p:cNvPicPr>
+          <p:nvPr/>
+        </p:nvPicPr>
+        <p:blipFill>
+          <a:blip r:embed="rId2"/>
+          <a:stretch>
+            <a:fillRect/>
+          </a:stretch>
+        </p:blipFill>
+        <p:spPr>
+          <a:xfrm rot="11980726">
+            <a:off x="1133395" y="2336244"/>
+            <a:ext cx="2604985" cy="2057040"/>
+          </a:xfrm>
+          <a:prstGeom prst="rect">
+            <a:avLst/>
+          </a:prstGeom>
+        </p:spPr>
+      </p:pic>
+      <p:grpSp>
+        <p:nvGrpSpPr>
+          <p:cNvPr id="9" name="Group 8">
+            <a:extLst>
+              <a:ext uri="{FF2B5EF4-FFF2-40B4-BE49-F238E27FC236}">
+                <a16:creationId xmlns:a16="http://schemas.microsoft.com/office/drawing/2014/main" id="{94BCC6F9-C19C-AC29-EF5A-C81CD2144049}"/>
+              </a:ext>
+            </a:extLst>
+          </p:cNvPr>
+          <p:cNvGrpSpPr/>
+          <p:nvPr/>
+        </p:nvGrpSpPr>
+        <p:grpSpPr>
+          <a:xfrm>
+            <a:off x="4048125" y="335919"/>
+            <a:ext cx="2418152" cy="2461924"/>
+            <a:chOff x="266700" y="205076"/>
+            <a:chExt cx="4360248" cy="4439175"/>
+          </a:xfrm>
+        </p:grpSpPr>
+        <p:pic>
+          <p:nvPicPr>
+            <p:cNvPr id="5" name="Graphic 4">
+              <a:extLst>
+                <a:ext uri="{FF2B5EF4-FFF2-40B4-BE49-F238E27FC236}">
+                  <a16:creationId xmlns:a16="http://schemas.microsoft.com/office/drawing/2014/main" id="{78EC6F85-FBCE-8FFE-14F6-4DB0C3C44DC8}"/>
+                </a:ext>
+              </a:extLst>
+            </p:cNvPr>
+            <p:cNvPicPr>
+              <a:picLocks noChangeAspect="1"/>
+            </p:cNvPicPr>
+            <p:nvPr/>
+          </p:nvPicPr>
+          <p:blipFill>
+            <a:blip r:embed="rId3">
+              <a:extLst>
+                <a:ext uri="{28A0092B-C50C-407E-A947-70E740481C1C}">
+                  <a14:useLocalDpi xmlns:a14="http://schemas.microsoft.com/office/drawing/2010/main" val="0"/>
+                </a:ext>
+                <a:ext uri="{96DAC541-7B7A-43D3-8B79-37D633B846F1}">
+                  <asvg:svgBlip xmlns:asvg="http://schemas.microsoft.com/office/drawing/2016/SVG/main" r:embed="rId4"/>
+                </a:ext>
+              </a:extLst>
+            </a:blip>
+            <a:stretch>
+              <a:fillRect/>
+            </a:stretch>
+          </p:blipFill>
+          <p:spPr>
+            <a:xfrm>
+              <a:off x="2618274" y="205076"/>
+              <a:ext cx="2008674" cy="2008674"/>
+            </a:xfrm>
+            <a:prstGeom prst="rect">
+              <a:avLst/>
+            </a:prstGeom>
+          </p:spPr>
+        </p:pic>
+        <p:pic>
+          <p:nvPicPr>
+            <p:cNvPr id="6" name="Graphic 5">
+              <a:extLst>
+                <a:ext uri="{FF2B5EF4-FFF2-40B4-BE49-F238E27FC236}">
+                  <a16:creationId xmlns:a16="http://schemas.microsoft.com/office/drawing/2014/main" id="{4F2B4430-76F0-5D50-AF17-3A7981C6E9D2}"/>
+                </a:ext>
+              </a:extLst>
+            </p:cNvPr>
+            <p:cNvPicPr>
+              <a:picLocks noChangeAspect="1"/>
+            </p:cNvPicPr>
+            <p:nvPr/>
+          </p:nvPicPr>
+          <p:blipFill>
+            <a:blip r:embed="rId3">
+              <a:extLst>
+                <a:ext uri="{28A0092B-C50C-407E-A947-70E740481C1C}">
+                  <a14:useLocalDpi xmlns:a14="http://schemas.microsoft.com/office/drawing/2010/main" val="0"/>
+                </a:ext>
+                <a:ext uri="{96DAC541-7B7A-43D3-8B79-37D633B846F1}">
+                  <asvg:svgBlip xmlns:asvg="http://schemas.microsoft.com/office/drawing/2016/SVG/main" r:embed="rId4"/>
+                </a:ext>
+              </a:extLst>
+            </a:blip>
+            <a:stretch>
+              <a:fillRect/>
+            </a:stretch>
+          </p:blipFill>
+          <p:spPr>
+            <a:xfrm flipH="1">
+              <a:off x="483765" y="205076"/>
+              <a:ext cx="2008674" cy="2008674"/>
+            </a:xfrm>
+            <a:prstGeom prst="rect">
+              <a:avLst/>
+            </a:prstGeom>
+          </p:spPr>
+        </p:pic>
+        <p:pic>
+          <p:nvPicPr>
+            <p:cNvPr id="7" name="Graphic 6">
+              <a:extLst>
+                <a:ext uri="{FF2B5EF4-FFF2-40B4-BE49-F238E27FC236}">
+                  <a16:creationId xmlns:a16="http://schemas.microsoft.com/office/drawing/2014/main" id="{90951133-84CE-696E-6B8F-5D00BCE1CAD6}"/>
+                </a:ext>
+              </a:extLst>
+            </p:cNvPr>
+            <p:cNvPicPr>
+              <a:picLocks noChangeAspect="1"/>
+            </p:cNvPicPr>
+            <p:nvPr/>
+          </p:nvPicPr>
+          <p:blipFill>
+            <a:blip r:embed="rId3">
+              <a:extLst>
+                <a:ext uri="{28A0092B-C50C-407E-A947-70E740481C1C}">
+                  <a14:useLocalDpi xmlns:a14="http://schemas.microsoft.com/office/drawing/2010/main" val="0"/>
+                </a:ext>
+                <a:ext uri="{96DAC541-7B7A-43D3-8B79-37D633B846F1}">
+                  <asvg:svgBlip xmlns:asvg="http://schemas.microsoft.com/office/drawing/2016/SVG/main" r:embed="rId4"/>
+                </a:ext>
+              </a:extLst>
+            </a:blip>
+            <a:stretch>
+              <a:fillRect/>
+            </a:stretch>
+          </p:blipFill>
+          <p:spPr>
+            <a:xfrm>
+              <a:off x="2417698" y="2635577"/>
+              <a:ext cx="2008674" cy="2008674"/>
+            </a:xfrm>
+            <a:prstGeom prst="rect">
+              <a:avLst/>
+            </a:prstGeom>
+          </p:spPr>
+        </p:pic>
+        <p:pic>
+          <p:nvPicPr>
+            <p:cNvPr id="8" name="Graphic 7">
+              <a:extLst>
+                <a:ext uri="{FF2B5EF4-FFF2-40B4-BE49-F238E27FC236}">
+                  <a16:creationId xmlns:a16="http://schemas.microsoft.com/office/drawing/2014/main" id="{E5062B08-7CD0-D2F1-F82D-41056B9EEA99}"/>
+                </a:ext>
+              </a:extLst>
+            </p:cNvPr>
+            <p:cNvPicPr>
+              <a:picLocks noChangeAspect="1"/>
+            </p:cNvPicPr>
+            <p:nvPr/>
+          </p:nvPicPr>
+          <p:blipFill>
+            <a:blip r:embed="rId3">
+              <a:extLst>
+                <a:ext uri="{28A0092B-C50C-407E-A947-70E740481C1C}">
+                  <a14:useLocalDpi xmlns:a14="http://schemas.microsoft.com/office/drawing/2010/main" val="0"/>
+                </a:ext>
+                <a:ext uri="{96DAC541-7B7A-43D3-8B79-37D633B846F1}">
+                  <asvg:svgBlip xmlns:asvg="http://schemas.microsoft.com/office/drawing/2016/SVG/main" r:embed="rId4"/>
+                </a:ext>
+              </a:extLst>
+            </a:blip>
+            <a:stretch>
+              <a:fillRect/>
+            </a:stretch>
+          </p:blipFill>
+          <p:spPr>
+            <a:xfrm flipH="1">
+              <a:off x="266700" y="2562094"/>
+              <a:ext cx="2008674" cy="2008674"/>
+            </a:xfrm>
+            <a:prstGeom prst="rect">
+              <a:avLst/>
+            </a:prstGeom>
+          </p:spPr>
+        </p:pic>
+      </p:grpSp>
+      <p:pic>
+        <p:nvPicPr>
+          <p:cNvPr id="16" name="Graphic 15" descr="Network diagram with solid fill">
+            <a:extLst>
+              <a:ext uri="{FF2B5EF4-FFF2-40B4-BE49-F238E27FC236}">
+                <a16:creationId xmlns:a16="http://schemas.microsoft.com/office/drawing/2014/main" id="{D63668FA-4FFC-DE37-6E35-74252724356C}"/>
+              </a:ext>
+            </a:extLst>
+          </p:cNvPr>
+          <p:cNvPicPr>
+            <a:picLocks noChangeAspect="1"/>
+          </p:cNvPicPr>
+          <p:nvPr/>
+        </p:nvPicPr>
+        <p:blipFill>
+          <a:blip r:embed="rId5">
+            <a:extLst>
+              <a:ext uri="{96DAC541-7B7A-43D3-8B79-37D633B846F1}">
+                <asvg:svgBlip xmlns:asvg="http://schemas.microsoft.com/office/drawing/2016/SVG/main" r:embed="rId6"/>
+              </a:ext>
+            </a:extLst>
+          </a:blip>
+          <a:stretch>
+            <a:fillRect/>
+          </a:stretch>
+        </p:blipFill>
+        <p:spPr>
+          <a:xfrm rot="10800000">
+            <a:off x="2950238" y="798858"/>
+            <a:ext cx="1282572" cy="1282572"/>
+          </a:xfrm>
+          <a:prstGeom prst="rect">
+            <a:avLst/>
+          </a:prstGeom>
+        </p:spPr>
+      </p:pic>
+      <p:pic>
+        <p:nvPicPr>
+          <p:cNvPr id="18" name="Picture 17">
+            <a:extLst>
+              <a:ext uri="{FF2B5EF4-FFF2-40B4-BE49-F238E27FC236}">
+                <a16:creationId xmlns:a16="http://schemas.microsoft.com/office/drawing/2014/main" id="{920C1C8A-B3FA-86DD-DEBB-B6C8AA35FA22}"/>
+              </a:ext>
+            </a:extLst>
+          </p:cNvPr>
+          <p:cNvPicPr>
+            <a:picLocks noChangeAspect="1"/>
+          </p:cNvPicPr>
+          <p:nvPr/>
+        </p:nvPicPr>
+        <p:blipFill>
+          <a:blip r:embed="rId7">
+            <a:extLst>
+              <a:ext uri="{28A0092B-C50C-407E-A947-70E740481C1C}">
+                <a14:useLocalDpi xmlns:a14="http://schemas.microsoft.com/office/drawing/2010/main" val="0"/>
+              </a:ext>
+            </a:extLst>
+          </a:blip>
+          <a:srcRect/>
+          <a:stretch/>
+        </p:blipFill>
+        <p:spPr>
+          <a:xfrm rot="2525156">
+            <a:off x="501042" y="360886"/>
+            <a:ext cx="2669601" cy="1782958"/>
+          </a:xfrm>
+          <a:prstGeom prst="rect">
+            <a:avLst/>
+          </a:prstGeom>
+        </p:spPr>
+      </p:pic>
+      <p:pic>
+        <p:nvPicPr>
+          <p:cNvPr id="1026" name="Picture 2">
+            <a:extLst>
+              <a:ext uri="{FF2B5EF4-FFF2-40B4-BE49-F238E27FC236}">
+                <a16:creationId xmlns:a16="http://schemas.microsoft.com/office/drawing/2014/main" id="{B1A07505-32C5-AA61-FED0-9511A8FA2062}"/>
+              </a:ext>
+            </a:extLst>
+          </p:cNvPr>
+          <p:cNvPicPr>
+            <a:picLocks noChangeAspect="1" noChangeArrowheads="1"/>
+          </p:cNvPicPr>
+          <p:nvPr/>
+        </p:nvPicPr>
+        <p:blipFill>
+          <a:blip r:embed="rId8">
+            <a:extLst>
+              <a:ext uri="{28A0092B-C50C-407E-A947-70E740481C1C}">
+                <a14:useLocalDpi xmlns:a14="http://schemas.microsoft.com/office/drawing/2010/main" val="0"/>
+              </a:ext>
+            </a:extLst>
+          </a:blip>
+          <a:srcRect/>
+          <a:stretch>
+            <a:fillRect/>
+          </a:stretch>
+        </p:blipFill>
+        <p:spPr bwMode="auto">
+          <a:xfrm>
+            <a:off x="4040908" y="3724577"/>
+            <a:ext cx="5630286" cy="1694773"/>
+          </a:xfrm>
+          <a:prstGeom prst="rect">
+            <a:avLst/>
+          </a:prstGeom>
+          <a:noFill/>
+          <a:scene3d>
+            <a:camera prst="perspectiveHeroicExtremeLeftFacing"/>
+            <a:lightRig rig="threePt" dir="t"/>
+          </a:scene3d>
+          <a:extLst>
+            <a:ext uri="{909E8E84-426E-40DD-AFC4-6F175D3DCCD1}">
+              <a14:hiddenFill xmlns:a14="http://schemas.microsoft.com/office/drawing/2010/main">
+                <a:solidFill>
+                  <a:srgbClr val="FFFFFF"/>
+                </a:solidFill>
+              </a14:hiddenFill>
+            </a:ext>
+          </a:extLst>
+        </p:spPr>
+      </p:pic>
+      <p:sp>
+        <p:nvSpPr>
+          <p:cNvPr id="4" name="TextBox 3">
+            <a:extLst>
+              <a:ext uri="{FF2B5EF4-FFF2-40B4-BE49-F238E27FC236}">
+                <a16:creationId xmlns:a16="http://schemas.microsoft.com/office/drawing/2014/main" id="{ED44D2AC-1535-CCA1-AE6A-230A6D2C4E71}"/>
+              </a:ext>
+            </a:extLst>
+          </p:cNvPr>
+          <p:cNvSpPr txBox="1"/>
+          <p:nvPr/>
+        </p:nvSpPr>
+        <p:spPr>
+          <a:xfrm>
+            <a:off x="469018" y="67901"/>
+            <a:ext cx="2733647" cy="369332"/>
+          </a:xfrm>
+          <a:prstGeom prst="rect">
+            <a:avLst/>
+          </a:prstGeom>
+          <a:noFill/>
+        </p:spPr>
+        <p:txBody>
+          <a:bodyPr wrap="square" rtlCol="0">
+            <a:spAutoFit/>
+          </a:bodyPr>
+          <a:lstStyle/>
+          <a:p>
+            <a:r>
+              <a:rPr lang="en-GB" dirty="0"/>
+              <a:t>Raspberry Pi Model 4 B</a:t>
+            </a:r>
+          </a:p>
+        </p:txBody>
+      </p:sp>
+      <p:sp>
+        <p:nvSpPr>
+          <p:cNvPr id="12" name="TextBox 11">
+            <a:extLst>
+              <a:ext uri="{FF2B5EF4-FFF2-40B4-BE49-F238E27FC236}">
+                <a16:creationId xmlns:a16="http://schemas.microsoft.com/office/drawing/2014/main" id="{48DD7E8E-C103-B612-1403-4C0CC7D51E1F}"/>
+              </a:ext>
+            </a:extLst>
+          </p:cNvPr>
+          <p:cNvSpPr txBox="1"/>
+          <p:nvPr/>
+        </p:nvSpPr>
+        <p:spPr>
+          <a:xfrm>
+            <a:off x="4740034" y="0"/>
+            <a:ext cx="2116017" cy="369332"/>
+          </a:xfrm>
+          <a:prstGeom prst="rect">
+            <a:avLst/>
+          </a:prstGeom>
+          <a:noFill/>
+        </p:spPr>
+        <p:txBody>
+          <a:bodyPr wrap="square" rtlCol="0">
+            <a:spAutoFit/>
+          </a:bodyPr>
+          <a:lstStyle/>
+          <a:p>
+            <a:r>
+              <a:rPr lang="en-GB" dirty="0"/>
+              <a:t>FED cages</a:t>
+            </a:r>
+          </a:p>
+        </p:txBody>
+      </p:sp>
+    </p:spTree>
+    <p:extLst>
+      <p:ext uri="{BB962C8B-B14F-4D97-AF65-F5344CB8AC3E}">
+        <p14:creationId xmlns:p14="http://schemas.microsoft.com/office/powerpoint/2010/main" val="448586398"/>
       </p:ext>
     </p:extLst>
   </p:cSld>
